--- a/QA/QA 2/presentation.pptx
+++ b/QA/QA 2/presentation.pptx
@@ -5,16 +5,14 @@
     <p:sldMasterId id="2147483660" r:id="rId1"/>
   </p:sldMasterIdLst>
   <p:notesMasterIdLst>
-    <p:notesMasterId r:id="rId9"/>
+    <p:notesMasterId r:id="rId7"/>
   </p:notesMasterIdLst>
   <p:sldIdLst>
     <p:sldId id="256" r:id="rId2"/>
     <p:sldId id="262" r:id="rId3"/>
     <p:sldId id="259" r:id="rId4"/>
     <p:sldId id="261" r:id="rId5"/>
-    <p:sldId id="260" r:id="rId6"/>
-    <p:sldId id="257" r:id="rId7"/>
-    <p:sldId id="258" r:id="rId8"/>
+    <p:sldId id="258" r:id="rId6"/>
   </p:sldIdLst>
   <p:sldSz cx="12192000" cy="6858000"/>
   <p:notesSz cx="6858000" cy="9144000"/>
@@ -203,7 +201,7 @@
           <a:p>
             <a:fld id="{B2188680-D44F-4FCB-820E-B4E2D197AB8B}" type="datetimeFigureOut">
               <a:rPr lang="en-US" smtClean="0"/>
-              <a:t>6/28/2024</a:t>
+              <a:t>7/1/2024</a:t>
             </a:fld>
             <a:endParaRPr lang="en-US"/>
           </a:p>
@@ -554,90 +552,6 @@
 </p:notes>
 </file>
 
-<file path=ppt/notesSlides/notesSlide2.xml><?xml version="1.0" encoding="utf-8"?>
-<p:notes xmlns:a="http://schemas.openxmlformats.org/drawingml/2006/main" xmlns:r="http://schemas.openxmlformats.org/officeDocument/2006/relationships" xmlns:p="http://schemas.openxmlformats.org/presentationml/2006/main">
-  <p:cSld>
-    <p:spTree>
-      <p:nvGrpSpPr>
-        <p:cNvPr id="1" name=""/>
-        <p:cNvGrpSpPr/>
-        <p:nvPr/>
-      </p:nvGrpSpPr>
-      <p:grpSpPr>
-        <a:xfrm>
-          <a:off x="0" y="0"/>
-          <a:ext cx="0" cy="0"/>
-          <a:chOff x="0" y="0"/>
-          <a:chExt cx="0" cy="0"/>
-        </a:xfrm>
-      </p:grpSpPr>
-      <p:sp>
-        <p:nvSpPr>
-          <p:cNvPr id="2" name="Slide Image Placeholder 1"/>
-          <p:cNvSpPr>
-            <a:spLocks noGrp="1" noRot="1" noChangeAspect="1"/>
-          </p:cNvSpPr>
-          <p:nvPr>
-            <p:ph type="sldImg"/>
-          </p:nvPr>
-        </p:nvSpPr>
-        <p:spPr/>
-      </p:sp>
-      <p:sp>
-        <p:nvSpPr>
-          <p:cNvPr id="3" name="Notes Placeholder 2"/>
-          <p:cNvSpPr>
-            <a:spLocks noGrp="1"/>
-          </p:cNvSpPr>
-          <p:nvPr>
-            <p:ph type="body" idx="1"/>
-          </p:nvPr>
-        </p:nvSpPr>
-        <p:spPr/>
-        <p:txBody>
-          <a:bodyPr/>
-          <a:lstStyle/>
-          <a:p>
-            <a:endParaRPr lang="en-US" dirty="0"/>
-          </a:p>
-        </p:txBody>
-      </p:sp>
-      <p:sp>
-        <p:nvSpPr>
-          <p:cNvPr id="4" name="Slide Number Placeholder 3"/>
-          <p:cNvSpPr>
-            <a:spLocks noGrp="1"/>
-          </p:cNvSpPr>
-          <p:nvPr>
-            <p:ph type="sldNum" sz="quarter" idx="5"/>
-          </p:nvPr>
-        </p:nvSpPr>
-        <p:spPr/>
-        <p:txBody>
-          <a:bodyPr/>
-          <a:lstStyle/>
-          <a:p>
-            <a:fld id="{0BBA3756-194D-4812-BA98-9B55E7BC7F70}" type="slidenum">
-              <a:rPr lang="en-US" smtClean="0"/>
-              <a:t>5</a:t>
-            </a:fld>
-            <a:endParaRPr lang="en-US"/>
-          </a:p>
-        </p:txBody>
-      </p:sp>
-    </p:spTree>
-    <p:extLst>
-      <p:ext uri="{BB962C8B-B14F-4D97-AF65-F5344CB8AC3E}">
-        <p14:creationId xmlns:p14="http://schemas.microsoft.com/office/powerpoint/2010/main" val="91283372"/>
-      </p:ext>
-    </p:extLst>
-  </p:cSld>
-  <p:clrMapOvr>
-    <a:masterClrMapping/>
-  </p:clrMapOvr>
-</p:notes>
-</file>
-
 <file path=ppt/slideLayouts/slideLayout1.xml><?xml version="1.0" encoding="utf-8"?>
 <p:sldLayout xmlns:a="http://schemas.openxmlformats.org/drawingml/2006/main" xmlns:r="http://schemas.openxmlformats.org/officeDocument/2006/relationships" xmlns:p="http://schemas.openxmlformats.org/presentationml/2006/main" showMasterSp="0" type="title" preserve="1">
   <p:cSld name="Title Slide">
@@ -864,7 +778,7 @@
           <a:p>
             <a:fld id="{1B7EFBEE-56B3-4C3A-A190-09967CE5ABE7}" type="datetimeFigureOut">
               <a:rPr lang="en-US" smtClean="0"/>
-              <a:t>6/28/2024</a:t>
+              <a:t>7/1/2024</a:t>
             </a:fld>
             <a:endParaRPr lang="en-US"/>
           </a:p>
@@ -1072,7 +986,7 @@
           <a:p>
             <a:fld id="{1B7EFBEE-56B3-4C3A-A190-09967CE5ABE7}" type="datetimeFigureOut">
               <a:rPr lang="en-US" smtClean="0"/>
-              <a:t>6/28/2024</a:t>
+              <a:t>7/1/2024</a:t>
             </a:fld>
             <a:endParaRPr lang="en-US"/>
           </a:p>
@@ -1328,7 +1242,7 @@
           <a:p>
             <a:fld id="{1B7EFBEE-56B3-4C3A-A190-09967CE5ABE7}" type="datetimeFigureOut">
               <a:rPr lang="en-US" smtClean="0"/>
-              <a:t>6/28/2024</a:t>
+              <a:t>7/1/2024</a:t>
             </a:fld>
             <a:endParaRPr lang="en-US"/>
           </a:p>
@@ -1502,7 +1416,7 @@
           <a:p>
             <a:fld id="{1B7EFBEE-56B3-4C3A-A190-09967CE5ABE7}" type="datetimeFigureOut">
               <a:rPr lang="en-US" smtClean="0"/>
-              <a:t>6/28/2024</a:t>
+              <a:t>7/1/2024</a:t>
             </a:fld>
             <a:endParaRPr lang="en-US"/>
           </a:p>
@@ -1845,7 +1759,7 @@
           <a:p>
             <a:fld id="{1B7EFBEE-56B3-4C3A-A190-09967CE5ABE7}" type="datetimeFigureOut">
               <a:rPr lang="en-US" smtClean="0"/>
-              <a:t>6/28/2024</a:t>
+              <a:t>7/1/2024</a:t>
             </a:fld>
             <a:endParaRPr lang="en-US"/>
           </a:p>
@@ -2120,7 +2034,7 @@
           <a:p>
             <a:fld id="{1B7EFBEE-56B3-4C3A-A190-09967CE5ABE7}" type="datetimeFigureOut">
               <a:rPr lang="en-US" smtClean="0"/>
-              <a:t>6/28/2024</a:t>
+              <a:t>7/1/2024</a:t>
             </a:fld>
             <a:endParaRPr lang="en-US"/>
           </a:p>
@@ -2499,7 +2413,7 @@
           <a:p>
             <a:fld id="{1B7EFBEE-56B3-4C3A-A190-09967CE5ABE7}" type="datetimeFigureOut">
               <a:rPr lang="en-US" smtClean="0"/>
-              <a:t>6/28/2024</a:t>
+              <a:t>7/1/2024</a:t>
             </a:fld>
             <a:endParaRPr lang="en-US"/>
           </a:p>
@@ -2617,7 +2531,7 @@
           <a:p>
             <a:fld id="{1B7EFBEE-56B3-4C3A-A190-09967CE5ABE7}" type="datetimeFigureOut">
               <a:rPr lang="en-US" smtClean="0"/>
-              <a:t>6/28/2024</a:t>
+              <a:t>7/1/2024</a:t>
             </a:fld>
             <a:endParaRPr lang="en-US"/>
           </a:p>
@@ -2788,7 +2702,7 @@
           <a:p>
             <a:fld id="{1B7EFBEE-56B3-4C3A-A190-09967CE5ABE7}" type="datetimeFigureOut">
               <a:rPr lang="en-US" smtClean="0"/>
-              <a:t>6/28/2024</a:t>
+              <a:t>7/1/2024</a:t>
             </a:fld>
             <a:endParaRPr lang="en-US"/>
           </a:p>
@@ -3142,7 +3056,7 @@
           <a:p>
             <a:fld id="{1B7EFBEE-56B3-4C3A-A190-09967CE5ABE7}" type="datetimeFigureOut">
               <a:rPr lang="en-US" smtClean="0"/>
-              <a:t>6/28/2024</a:t>
+              <a:t>7/1/2024</a:t>
             </a:fld>
             <a:endParaRPr lang="en-US"/>
           </a:p>
@@ -3524,7 +3438,7 @@
           <a:p>
             <a:fld id="{1B7EFBEE-56B3-4C3A-A190-09967CE5ABE7}" type="datetimeFigureOut">
               <a:rPr lang="en-US" smtClean="0"/>
-              <a:t>6/28/2024</a:t>
+              <a:t>7/1/2024</a:t>
             </a:fld>
             <a:endParaRPr lang="en-US"/>
           </a:p>
@@ -3811,7 +3725,7 @@
           <a:p>
             <a:fld id="{1B7EFBEE-56B3-4C3A-A190-09967CE5ABE7}" type="datetimeFigureOut">
               <a:rPr lang="en-US" smtClean="0"/>
-              <a:t>6/28/2024</a:t>
+              <a:t>7/1/2024</a:t>
             </a:fld>
             <a:endParaRPr lang="en-US"/>
           </a:p>
@@ -4513,7 +4427,7 @@
             </a:pPr>
             <a:r>
               <a:rPr lang="en-US" dirty="0"/>
-              <a:t> Reduce Table Size</a:t>
+              <a:t> Save complex aggregations into separate table</a:t>
             </a:r>
           </a:p>
           <a:p>
@@ -4530,13 +4444,12 @@
             </a:pPr>
             <a:r>
               <a:rPr lang="en-US" dirty="0"/>
-              <a:t> Save common queries into separate table</a:t>
-            </a:r>
-          </a:p>
-          <a:p>
-            <a:pPr>
-              <a:buFont typeface="Arial" panose="020B0604020202020204" pitchFamily="34" charset="0"/>
-              <a:buChar char="•"/>
+              <a:t> Reduce Table Size</a:t>
+            </a:r>
+          </a:p>
+          <a:p>
+            <a:pPr marL="0" indent="0">
+              <a:buNone/>
             </a:pPr>
             <a:endParaRPr lang="en-US" dirty="0"/>
           </a:p>
@@ -4908,23 +4821,6 @@
             <a:r>
               <a:rPr lang="en-US" dirty="0"/>
               <a:t> Functions on the column</a:t>
-            </a:r>
-          </a:p>
-          <a:p>
-            <a:pPr>
-              <a:buFont typeface="Arial" panose="020B0604020202020204" pitchFamily="34" charset="0"/>
-              <a:buChar char="•"/>
-            </a:pPr>
-            <a:endParaRPr lang="en-US" dirty="0"/>
-          </a:p>
-          <a:p>
-            <a:pPr>
-              <a:buFont typeface="Arial" panose="020B0604020202020204" pitchFamily="34" charset="0"/>
-              <a:buChar char="•"/>
-            </a:pPr>
-            <a:r>
-              <a:rPr lang="en-US" dirty="0"/>
-              <a:t> Wildcard Operators (% or _)</a:t>
             </a:r>
           </a:p>
         </p:txBody>
@@ -5770,378 +5666,6 @@
           <p:cNvPr id="2" name="Title 1">
             <a:extLst>
               <a:ext uri="{FF2B5EF4-FFF2-40B4-BE49-F238E27FC236}">
-                <a16:creationId xmlns:a16="http://schemas.microsoft.com/office/drawing/2014/main" id="{2D15727C-BF81-94F2-0D41-F302A78957F4}"/>
-              </a:ext>
-            </a:extLst>
-          </p:cNvPr>
-          <p:cNvSpPr>
-            <a:spLocks noGrp="1"/>
-          </p:cNvSpPr>
-          <p:nvPr>
-            <p:ph type="title"/>
-          </p:nvPr>
-        </p:nvSpPr>
-        <p:spPr/>
-        <p:txBody>
-          <a:bodyPr/>
-          <a:lstStyle/>
-          <a:p>
-            <a:r>
-              <a:rPr lang="en-US" dirty="0"/>
-              <a:t>In vs Exist</a:t>
-            </a:r>
-          </a:p>
-        </p:txBody>
-      </p:sp>
-      <p:sp>
-        <p:nvSpPr>
-          <p:cNvPr id="3" name="Content Placeholder 2">
-            <a:extLst>
-              <a:ext uri="{FF2B5EF4-FFF2-40B4-BE49-F238E27FC236}">
-                <a16:creationId xmlns:a16="http://schemas.microsoft.com/office/drawing/2014/main" id="{2BECB6CE-F738-2F49-FDB2-BA528E24AD41}"/>
-              </a:ext>
-            </a:extLst>
-          </p:cNvPr>
-          <p:cNvSpPr>
-            <a:spLocks noGrp="1"/>
-          </p:cNvSpPr>
-          <p:nvPr>
-            <p:ph idx="1"/>
-          </p:nvPr>
-        </p:nvSpPr>
-        <p:spPr>
-          <a:xfrm>
-            <a:off x="1097280" y="1845734"/>
-            <a:ext cx="1834889" cy="4023360"/>
-          </a:xfrm>
-        </p:spPr>
-        <p:txBody>
-          <a:bodyPr/>
-          <a:lstStyle/>
-          <a:p>
-            <a:pPr>
-              <a:buFont typeface="Arial" panose="020B0604020202020204" pitchFamily="34" charset="0"/>
-              <a:buChar char="•"/>
-            </a:pPr>
-            <a:endParaRPr lang="en-US" dirty="0"/>
-          </a:p>
-          <a:p>
-            <a:pPr>
-              <a:buFont typeface="Arial" panose="020B0604020202020204" pitchFamily="34" charset="0"/>
-              <a:buChar char="•"/>
-            </a:pPr>
-            <a:r>
-              <a:rPr lang="en-US" dirty="0"/>
-              <a:t>Null handling</a:t>
-            </a:r>
-          </a:p>
-          <a:p>
-            <a:pPr>
-              <a:buFont typeface="Arial" panose="020B0604020202020204" pitchFamily="34" charset="0"/>
-              <a:buChar char="•"/>
-            </a:pPr>
-            <a:endParaRPr lang="en-US" dirty="0"/>
-          </a:p>
-          <a:p>
-            <a:pPr>
-              <a:buFont typeface="Arial" panose="020B0604020202020204" pitchFamily="34" charset="0"/>
-              <a:buChar char="•"/>
-            </a:pPr>
-            <a:r>
-              <a:rPr lang="en-US" dirty="0"/>
-              <a:t> Performance Varies by DB</a:t>
-            </a:r>
-          </a:p>
-        </p:txBody>
-      </p:sp>
-      <p:pic>
-        <p:nvPicPr>
-          <p:cNvPr id="7" name="Picture 6" descr="A graph with blue rectangles&#10;&#10;Description automatically generated">
-            <a:extLst>
-              <a:ext uri="{FF2B5EF4-FFF2-40B4-BE49-F238E27FC236}">
-                <a16:creationId xmlns:a16="http://schemas.microsoft.com/office/drawing/2014/main" id="{7F220CD1-0EFC-03F5-2AB2-D22B11418519}"/>
-              </a:ext>
-            </a:extLst>
-          </p:cNvPr>
-          <p:cNvPicPr>
-            <a:picLocks noChangeAspect="1"/>
-          </p:cNvPicPr>
-          <p:nvPr/>
-        </p:nvPicPr>
-        <p:blipFill>
-          <a:blip r:embed="rId3">
-            <a:extLst>
-              <a:ext uri="{28A0092B-C50C-407E-A947-70E740481C1C}">
-                <a14:useLocalDpi xmlns:a14="http://schemas.microsoft.com/office/drawing/2010/main" val="0"/>
-              </a:ext>
-            </a:extLst>
-          </a:blip>
-          <a:stretch>
-            <a:fillRect/>
-          </a:stretch>
-        </p:blipFill>
-        <p:spPr>
-          <a:xfrm>
-            <a:off x="2932169" y="1978572"/>
-            <a:ext cx="4357577" cy="4344983"/>
-          </a:xfrm>
-          <a:prstGeom prst="rect">
-            <a:avLst/>
-          </a:prstGeom>
-        </p:spPr>
-      </p:pic>
-      <p:pic>
-        <p:nvPicPr>
-          <p:cNvPr id="9" name="Picture 8" descr="A graph of a bar chart&#10;&#10;Description automatically generated with medium confidence">
-            <a:extLst>
-              <a:ext uri="{FF2B5EF4-FFF2-40B4-BE49-F238E27FC236}">
-                <a16:creationId xmlns:a16="http://schemas.microsoft.com/office/drawing/2014/main" id="{89E0BC08-8F12-6E2C-A6AB-836F609CCF12}"/>
-              </a:ext>
-            </a:extLst>
-          </p:cNvPr>
-          <p:cNvPicPr>
-            <a:picLocks noChangeAspect="1"/>
-          </p:cNvPicPr>
-          <p:nvPr/>
-        </p:nvPicPr>
-        <p:blipFill>
-          <a:blip r:embed="rId4">
-            <a:extLst>
-              <a:ext uri="{28A0092B-C50C-407E-A947-70E740481C1C}">
-                <a14:useLocalDpi xmlns:a14="http://schemas.microsoft.com/office/drawing/2010/main" val="0"/>
-              </a:ext>
-            </a:extLst>
-          </a:blip>
-          <a:stretch>
-            <a:fillRect/>
-          </a:stretch>
-        </p:blipFill>
-        <p:spPr>
-          <a:xfrm>
-            <a:off x="7345909" y="1978572"/>
-            <a:ext cx="4357577" cy="4344983"/>
-          </a:xfrm>
-          <a:prstGeom prst="rect">
-            <a:avLst/>
-          </a:prstGeom>
-        </p:spPr>
-      </p:pic>
-    </p:spTree>
-    <p:extLst>
-      <p:ext uri="{BB962C8B-B14F-4D97-AF65-F5344CB8AC3E}">
-        <p14:creationId xmlns:p14="http://schemas.microsoft.com/office/powerpoint/2010/main" val="2008468833"/>
-      </p:ext>
-    </p:extLst>
-  </p:cSld>
-  <p:clrMapOvr>
-    <a:masterClrMapping/>
-  </p:clrMapOvr>
-</p:sld>
-</file>
-
-<file path=ppt/slides/slide6.xml><?xml version="1.0" encoding="utf-8"?>
-<p:sld xmlns:a="http://schemas.openxmlformats.org/drawingml/2006/main" xmlns:r="http://schemas.openxmlformats.org/officeDocument/2006/relationships" xmlns:p="http://schemas.openxmlformats.org/presentationml/2006/main">
-  <p:cSld>
-    <p:spTree>
-      <p:nvGrpSpPr>
-        <p:cNvPr id="1" name=""/>
-        <p:cNvGrpSpPr/>
-        <p:nvPr/>
-      </p:nvGrpSpPr>
-      <p:grpSpPr>
-        <a:xfrm>
-          <a:off x="0" y="0"/>
-          <a:ext cx="0" cy="0"/>
-          <a:chOff x="0" y="0"/>
-          <a:chExt cx="0" cy="0"/>
-        </a:xfrm>
-      </p:grpSpPr>
-      <p:sp>
-        <p:nvSpPr>
-          <p:cNvPr id="2" name="Title 1">
-            <a:extLst>
-              <a:ext uri="{FF2B5EF4-FFF2-40B4-BE49-F238E27FC236}">
-                <a16:creationId xmlns:a16="http://schemas.microsoft.com/office/drawing/2014/main" id="{73416885-B3A0-88AF-FA1A-C8D89146932D}"/>
-              </a:ext>
-            </a:extLst>
-          </p:cNvPr>
-          <p:cNvSpPr>
-            <a:spLocks noGrp="1"/>
-          </p:cNvSpPr>
-          <p:nvPr>
-            <p:ph type="title"/>
-          </p:nvPr>
-        </p:nvSpPr>
-        <p:spPr/>
-        <p:txBody>
-          <a:bodyPr/>
-          <a:lstStyle/>
-          <a:p>
-            <a:r>
-              <a:rPr lang="en-US" dirty="0"/>
-              <a:t>Insertion Performance</a:t>
-            </a:r>
-          </a:p>
-        </p:txBody>
-      </p:sp>
-      <p:sp>
-        <p:nvSpPr>
-          <p:cNvPr id="3" name="Content Placeholder 2">
-            <a:extLst>
-              <a:ext uri="{FF2B5EF4-FFF2-40B4-BE49-F238E27FC236}">
-                <a16:creationId xmlns:a16="http://schemas.microsoft.com/office/drawing/2014/main" id="{BEE7D2E3-C961-6529-3E65-7BF3120A6103}"/>
-              </a:ext>
-            </a:extLst>
-          </p:cNvPr>
-          <p:cNvSpPr>
-            <a:spLocks noGrp="1"/>
-          </p:cNvSpPr>
-          <p:nvPr>
-            <p:ph idx="1"/>
-          </p:nvPr>
-        </p:nvSpPr>
-        <p:spPr>
-          <a:xfrm>
-            <a:off x="1097280" y="1845734"/>
-            <a:ext cx="4998720" cy="4023360"/>
-          </a:xfrm>
-        </p:spPr>
-        <p:txBody>
-          <a:bodyPr/>
-          <a:lstStyle/>
-          <a:p>
-            <a:pPr marL="0" indent="0">
-              <a:buNone/>
-            </a:pPr>
-            <a:endParaRPr lang="en-US" dirty="0"/>
-          </a:p>
-          <a:p>
-            <a:pPr>
-              <a:buFont typeface="Arial" panose="020B0604020202020204" pitchFamily="34" charset="0"/>
-              <a:buChar char="•"/>
-            </a:pPr>
-            <a:r>
-              <a:rPr lang="en-US" dirty="0"/>
-              <a:t> Bulk insertion is optimized</a:t>
-            </a:r>
-          </a:p>
-          <a:p>
-            <a:pPr marL="0" indent="0">
-              <a:buNone/>
-            </a:pPr>
-            <a:endParaRPr lang="en-US" dirty="0"/>
-          </a:p>
-          <a:p>
-            <a:pPr>
-              <a:buFont typeface="Arial" panose="020B0604020202020204" pitchFamily="34" charset="0"/>
-              <a:buChar char="•"/>
-            </a:pPr>
-            <a:r>
-              <a:rPr lang="en-US" dirty="0"/>
-              <a:t> Transaction Wrapping Default</a:t>
-            </a:r>
-          </a:p>
-          <a:p>
-            <a:pPr marL="0" indent="0">
-              <a:buNone/>
-            </a:pPr>
-            <a:endParaRPr lang="en-US" dirty="0"/>
-          </a:p>
-          <a:p>
-            <a:pPr>
-              <a:buFont typeface="Arial" panose="020B0604020202020204" pitchFamily="34" charset="0"/>
-              <a:buChar char="•"/>
-            </a:pPr>
-            <a:r>
-              <a:rPr lang="en-US" dirty="0"/>
-              <a:t> Explicit Transaction 6x Faster!</a:t>
-            </a:r>
-          </a:p>
-          <a:p>
-            <a:pPr marL="0" indent="0">
-              <a:buNone/>
-            </a:pPr>
-            <a:endParaRPr lang="en-US" dirty="0"/>
-          </a:p>
-          <a:p>
-            <a:pPr marL="0" indent="0">
-              <a:buNone/>
-            </a:pPr>
-            <a:endParaRPr lang="en-US" dirty="0"/>
-          </a:p>
-        </p:txBody>
-      </p:sp>
-      <p:pic>
-        <p:nvPicPr>
-          <p:cNvPr id="5" name="Picture 4" descr="A graph of a graph showing a number of rows&#10;&#10;Description automatically generated with medium confidence">
-            <a:extLst>
-              <a:ext uri="{FF2B5EF4-FFF2-40B4-BE49-F238E27FC236}">
-                <a16:creationId xmlns:a16="http://schemas.microsoft.com/office/drawing/2014/main" id="{46BD6AC1-2B5B-1616-86A6-D3F9FB71C82E}"/>
-              </a:ext>
-            </a:extLst>
-          </p:cNvPr>
-          <p:cNvPicPr>
-            <a:picLocks noChangeAspect="1"/>
-          </p:cNvPicPr>
-          <p:nvPr/>
-        </p:nvPicPr>
-        <p:blipFill>
-          <a:blip r:embed="rId2">
-            <a:extLst>
-              <a:ext uri="{28A0092B-C50C-407E-A947-70E740481C1C}">
-                <a14:useLocalDpi xmlns:a14="http://schemas.microsoft.com/office/drawing/2010/main" val="0"/>
-              </a:ext>
-            </a:extLst>
-          </a:blip>
-          <a:stretch>
-            <a:fillRect/>
-          </a:stretch>
-        </p:blipFill>
-        <p:spPr>
-          <a:xfrm>
-            <a:off x="6526925" y="1845734"/>
-            <a:ext cx="4584910" cy="4455757"/>
-          </a:xfrm>
-          <a:prstGeom prst="rect">
-            <a:avLst/>
-          </a:prstGeom>
-        </p:spPr>
-      </p:pic>
-    </p:spTree>
-    <p:extLst>
-      <p:ext uri="{BB962C8B-B14F-4D97-AF65-F5344CB8AC3E}">
-        <p14:creationId xmlns:p14="http://schemas.microsoft.com/office/powerpoint/2010/main" val="146255698"/>
-      </p:ext>
-    </p:extLst>
-  </p:cSld>
-  <p:clrMapOvr>
-    <a:masterClrMapping/>
-  </p:clrMapOvr>
-</p:sld>
-</file>
-
-<file path=ppt/slides/slide7.xml><?xml version="1.0" encoding="utf-8"?>
-<p:sld xmlns:a="http://schemas.openxmlformats.org/drawingml/2006/main" xmlns:r="http://schemas.openxmlformats.org/officeDocument/2006/relationships" xmlns:p="http://schemas.openxmlformats.org/presentationml/2006/main">
-  <p:cSld>
-    <p:spTree>
-      <p:nvGrpSpPr>
-        <p:cNvPr id="1" name=""/>
-        <p:cNvGrpSpPr/>
-        <p:nvPr/>
-      </p:nvGrpSpPr>
-      <p:grpSpPr>
-        <a:xfrm>
-          <a:off x="0" y="0"/>
-          <a:ext cx="0" cy="0"/>
-          <a:chOff x="0" y="0"/>
-          <a:chExt cx="0" cy="0"/>
-        </a:xfrm>
-      </p:grpSpPr>
-      <p:sp>
-        <p:nvSpPr>
-          <p:cNvPr id="2" name="Title 1">
-            <a:extLst>
-              <a:ext uri="{FF2B5EF4-FFF2-40B4-BE49-F238E27FC236}">
                 <a16:creationId xmlns:a16="http://schemas.microsoft.com/office/drawing/2014/main" id="{D386473C-0FE5-B2CC-2B6C-72848C1CB4A0}"/>
               </a:ext>
             </a:extLst>
@@ -6190,10 +5714,7 @@
               <a:buFont typeface="+mj-lt"/>
               <a:buAutoNum type="arabicPeriod"/>
             </a:pPr>
-            <a:r>
-              <a:rPr lang="en-US" dirty="0"/>
-              <a:t>Use Less Data</a:t>
-            </a:r>
+            <a:endParaRPr lang="en-US" dirty="0"/>
           </a:p>
           <a:p>
             <a:pPr marL="457200" indent="-457200">
@@ -6202,7 +5723,7 @@
             </a:pPr>
             <a:r>
               <a:rPr lang="en-US" dirty="0"/>
-              <a:t>Use Indexes </a:t>
+              <a:t>Use Less Data</a:t>
             </a:r>
           </a:p>
           <a:p>
@@ -6210,10 +5731,7 @@
               <a:buFont typeface="+mj-lt"/>
               <a:buAutoNum type="arabicPeriod"/>
             </a:pPr>
-            <a:r>
-              <a:rPr lang="en-US" dirty="0"/>
-              <a:t>Make sure your query doesn’t ignore indexes</a:t>
-            </a:r>
+            <a:endParaRPr lang="en-US" dirty="0"/>
           </a:p>
           <a:p>
             <a:pPr marL="457200" indent="-457200">
@@ -6222,7 +5740,7 @@
             </a:pPr>
             <a:r>
               <a:rPr lang="en-US" dirty="0"/>
-              <a:t>Compare Exists vs In</a:t>
+              <a:t>Use Indexes </a:t>
             </a:r>
           </a:p>
           <a:p>
@@ -6230,10 +5748,7 @@
               <a:buFont typeface="+mj-lt"/>
               <a:buAutoNum type="arabicPeriod"/>
             </a:pPr>
-            <a:r>
-              <a:rPr lang="en-US" dirty="0"/>
-              <a:t>Use Transactions Wrap insertions in a transaction- both for ACID integrity and performance</a:t>
-            </a:r>
+            <a:endParaRPr lang="en-US" dirty="0"/>
           </a:p>
           <a:p>
             <a:pPr marL="457200" indent="-457200">
@@ -6242,7 +5757,7 @@
             </a:pPr>
             <a:r>
               <a:rPr lang="en-US" dirty="0"/>
-              <a:t>Test on your data</a:t>
+              <a:t>Make sure your query doesn’t ignore indexes</a:t>
             </a:r>
           </a:p>
         </p:txBody>
